--- a/C1_ProposerDemarche/C1_05_ProposerDemarcheActionMecaLoiMvt_PFS/55_Suspension/images/55_Suspension.pptx
+++ b/C1_ProposerDemarche/C1_05_ProposerDemarcheActionMecaLoiMvt_PFS/55_Suspension/images/55_Suspension.pptx
@@ -271,7 +271,7 @@
           <a:p>
             <a:fld id="{2B6B8059-3241-4F5A-9640-F4FC10B802E5}" type="datetimeFigureOut">
               <a:rPr lang="fr-FR" smtClean="0"/>
-              <a:t>30/07/2022</a:t>
+              <a:t>24/10/2022</a:t>
             </a:fld>
             <a:endParaRPr lang="fr-FR"/>
           </a:p>
@@ -469,7 +469,7 @@
           <a:p>
             <a:fld id="{2B6B8059-3241-4F5A-9640-F4FC10B802E5}" type="datetimeFigureOut">
               <a:rPr lang="fr-FR" smtClean="0"/>
-              <a:t>30/07/2022</a:t>
+              <a:t>24/10/2022</a:t>
             </a:fld>
             <a:endParaRPr lang="fr-FR"/>
           </a:p>
@@ -677,7 +677,7 @@
           <a:p>
             <a:fld id="{2B6B8059-3241-4F5A-9640-F4FC10B802E5}" type="datetimeFigureOut">
               <a:rPr lang="fr-FR" smtClean="0"/>
-              <a:t>30/07/2022</a:t>
+              <a:t>24/10/2022</a:t>
             </a:fld>
             <a:endParaRPr lang="fr-FR"/>
           </a:p>
@@ -875,7 +875,7 @@
           <a:p>
             <a:fld id="{2B6B8059-3241-4F5A-9640-F4FC10B802E5}" type="datetimeFigureOut">
               <a:rPr lang="fr-FR" smtClean="0"/>
-              <a:t>30/07/2022</a:t>
+              <a:t>24/10/2022</a:t>
             </a:fld>
             <a:endParaRPr lang="fr-FR"/>
           </a:p>
@@ -1150,7 +1150,7 @@
           <a:p>
             <a:fld id="{2B6B8059-3241-4F5A-9640-F4FC10B802E5}" type="datetimeFigureOut">
               <a:rPr lang="fr-FR" smtClean="0"/>
-              <a:t>30/07/2022</a:t>
+              <a:t>24/10/2022</a:t>
             </a:fld>
             <a:endParaRPr lang="fr-FR"/>
           </a:p>
@@ -1415,7 +1415,7 @@
           <a:p>
             <a:fld id="{2B6B8059-3241-4F5A-9640-F4FC10B802E5}" type="datetimeFigureOut">
               <a:rPr lang="fr-FR" smtClean="0"/>
-              <a:t>30/07/2022</a:t>
+              <a:t>24/10/2022</a:t>
             </a:fld>
             <a:endParaRPr lang="fr-FR"/>
           </a:p>
@@ -1827,7 +1827,7 @@
           <a:p>
             <a:fld id="{2B6B8059-3241-4F5A-9640-F4FC10B802E5}" type="datetimeFigureOut">
               <a:rPr lang="fr-FR" smtClean="0"/>
-              <a:t>30/07/2022</a:t>
+              <a:t>24/10/2022</a:t>
             </a:fld>
             <a:endParaRPr lang="fr-FR"/>
           </a:p>
@@ -1968,7 +1968,7 @@
           <a:p>
             <a:fld id="{2B6B8059-3241-4F5A-9640-F4FC10B802E5}" type="datetimeFigureOut">
               <a:rPr lang="fr-FR" smtClean="0"/>
-              <a:t>30/07/2022</a:t>
+              <a:t>24/10/2022</a:t>
             </a:fld>
             <a:endParaRPr lang="fr-FR"/>
           </a:p>
@@ -2081,7 +2081,7 @@
           <a:p>
             <a:fld id="{2B6B8059-3241-4F5A-9640-F4FC10B802E5}" type="datetimeFigureOut">
               <a:rPr lang="fr-FR" smtClean="0"/>
-              <a:t>30/07/2022</a:t>
+              <a:t>24/10/2022</a:t>
             </a:fld>
             <a:endParaRPr lang="fr-FR"/>
           </a:p>
@@ -2392,7 +2392,7 @@
           <a:p>
             <a:fld id="{2B6B8059-3241-4F5A-9640-F4FC10B802E5}" type="datetimeFigureOut">
               <a:rPr lang="fr-FR" smtClean="0"/>
-              <a:t>30/07/2022</a:t>
+              <a:t>24/10/2022</a:t>
             </a:fld>
             <a:endParaRPr lang="fr-FR"/>
           </a:p>
@@ -2680,7 +2680,7 @@
           <a:p>
             <a:fld id="{2B6B8059-3241-4F5A-9640-F4FC10B802E5}" type="datetimeFigureOut">
               <a:rPr lang="fr-FR" smtClean="0"/>
-              <a:t>30/07/2022</a:t>
+              <a:t>24/10/2022</a:t>
             </a:fld>
             <a:endParaRPr lang="fr-FR"/>
           </a:p>
@@ -2921,7 +2921,7 @@
           <a:p>
             <a:fld id="{2B6B8059-3241-4F5A-9640-F4FC10B802E5}" type="datetimeFigureOut">
               <a:rPr lang="fr-FR" smtClean="0"/>
-              <a:t>30/07/2022</a:t>
+              <a:t>24/10/2022</a:t>
             </a:fld>
             <a:endParaRPr lang="fr-FR"/>
           </a:p>
@@ -3987,7 +3987,7 @@
         </p:nvSpPr>
         <p:spPr>
           <a:xfrm>
-            <a:off x="4018030" y="4131499"/>
+            <a:off x="5511530" y="4117559"/>
             <a:ext cx="791673" cy="184666"/>
           </a:xfrm>
           <a:prstGeom prst="rect">
@@ -4023,7 +4023,7 @@
         </p:nvSpPr>
         <p:spPr>
           <a:xfrm rot="7200000" flipH="1">
-            <a:off x="3855231" y="3699346"/>
+            <a:off x="5348731" y="3685406"/>
             <a:ext cx="361552" cy="408917"/>
           </a:xfrm>
           <a:prstGeom prst="lightningBolt">
@@ -4132,8 +4132,8 @@
           </a:p>
         </p:txBody>
       </p:sp>
-      <mc:AlternateContent xmlns:mc="http://schemas.openxmlformats.org/markup-compatibility/2006">
-        <mc:Choice xmlns:a14="http://schemas.microsoft.com/office/drawing/2010/main" Requires="a14">
+      <mc:AlternateContent xmlns:mc="http://schemas.openxmlformats.org/markup-compatibility/2006" xmlns:a14="http://schemas.microsoft.com/office/drawing/2010/main">
+        <mc:Choice Requires="a14">
           <p:sp>
             <p:nvSpPr>
               <p:cNvPr id="24" name="ZoneTexte 23">
@@ -4189,7 +4189,7 @@
             </p:txBody>
           </p:sp>
         </mc:Choice>
-        <mc:Fallback>
+        <mc:Fallback xmlns="">
           <p:sp>
             <p:nvSpPr>
               <p:cNvPr id="24" name="ZoneTexte 23">
@@ -4234,8 +4234,8 @@
           </p:sp>
         </mc:Fallback>
       </mc:AlternateContent>
-      <mc:AlternateContent xmlns:mc="http://schemas.openxmlformats.org/markup-compatibility/2006">
-        <mc:Choice xmlns:a14="http://schemas.microsoft.com/office/drawing/2010/main" Requires="a14">
+      <mc:AlternateContent xmlns:mc="http://schemas.openxmlformats.org/markup-compatibility/2006" xmlns:a14="http://schemas.microsoft.com/office/drawing/2010/main">
+        <mc:Choice Requires="a14">
           <p:sp>
             <p:nvSpPr>
               <p:cNvPr id="25" name="ZoneTexte 24">
@@ -4291,7 +4291,7 @@
             </p:txBody>
           </p:sp>
         </mc:Choice>
-        <mc:Fallback>
+        <mc:Fallback xmlns="">
           <p:sp>
             <p:nvSpPr>
               <p:cNvPr id="25" name="ZoneTexte 24">
@@ -4625,8 +4625,8 @@
           </a:p>
         </p:txBody>
       </p:sp>
-      <mc:AlternateContent xmlns:mc="http://schemas.openxmlformats.org/markup-compatibility/2006">
-        <mc:Choice xmlns:a14="http://schemas.microsoft.com/office/drawing/2010/main" Requires="a14">
+      <mc:AlternateContent xmlns:mc="http://schemas.openxmlformats.org/markup-compatibility/2006" xmlns:a14="http://schemas.microsoft.com/office/drawing/2010/main">
+        <mc:Choice Requires="a14">
           <p:sp>
             <p:nvSpPr>
               <p:cNvPr id="32" name="ZoneTexte 31">
@@ -4682,7 +4682,7 @@
             </p:txBody>
           </p:sp>
         </mc:Choice>
-        <mc:Fallback>
+        <mc:Fallback xmlns="">
           <p:sp>
             <p:nvSpPr>
               <p:cNvPr id="32" name="ZoneTexte 31">
@@ -4727,8 +4727,8 @@
           </p:sp>
         </mc:Fallback>
       </mc:AlternateContent>
-      <mc:AlternateContent xmlns:mc="http://schemas.openxmlformats.org/markup-compatibility/2006">
-        <mc:Choice xmlns:a14="http://schemas.microsoft.com/office/drawing/2010/main" Requires="a14">
+      <mc:AlternateContent xmlns:mc="http://schemas.openxmlformats.org/markup-compatibility/2006" xmlns:a14="http://schemas.microsoft.com/office/drawing/2010/main">
+        <mc:Choice Requires="a14">
           <p:sp>
             <p:nvSpPr>
               <p:cNvPr id="33" name="ZoneTexte 32">
@@ -4784,7 +4784,7 @@
             </p:txBody>
           </p:sp>
         </mc:Choice>
-        <mc:Fallback>
+        <mc:Fallback xmlns="">
           <p:sp>
             <p:nvSpPr>
               <p:cNvPr id="33" name="ZoneTexte 32">
